--- a/Technical/pig key slow response.pptx
+++ b/Technical/pig key slow response.pptx
@@ -294,7 +294,7 @@
             <a:fld id="{530820CF-B880-4189-942D-D702A7CBA730}" type="datetimeFigureOut">
               <a:rPr lang="zh-CN" altLang="en-US" smtClean="0"/>
               <a:pPr/>
-              <a:t>2018/10/23</a:t>
+              <a:t>2018/10/25</a:t>
             </a:fld>
             <a:endParaRPr lang="zh-CN" altLang="en-US"/>
           </a:p>
@@ -461,7 +461,7 @@
             <a:fld id="{530820CF-B880-4189-942D-D702A7CBA730}" type="datetimeFigureOut">
               <a:rPr lang="zh-CN" altLang="en-US" smtClean="0"/>
               <a:pPr/>
-              <a:t>2018/10/23</a:t>
+              <a:t>2018/10/25</a:t>
             </a:fld>
             <a:endParaRPr lang="zh-CN" altLang="en-US"/>
           </a:p>
@@ -638,7 +638,7 @@
             <a:fld id="{530820CF-B880-4189-942D-D702A7CBA730}" type="datetimeFigureOut">
               <a:rPr lang="zh-CN" altLang="en-US" smtClean="0"/>
               <a:pPr/>
-              <a:t>2018/10/23</a:t>
+              <a:t>2018/10/25</a:t>
             </a:fld>
             <a:endParaRPr lang="zh-CN" altLang="en-US"/>
           </a:p>
@@ -805,7 +805,7 @@
             <a:fld id="{530820CF-B880-4189-942D-D702A7CBA730}" type="datetimeFigureOut">
               <a:rPr lang="zh-CN" altLang="en-US" smtClean="0"/>
               <a:pPr/>
-              <a:t>2018/10/23</a:t>
+              <a:t>2018/10/25</a:t>
             </a:fld>
             <a:endParaRPr lang="zh-CN" altLang="en-US"/>
           </a:p>
@@ -1048,7 +1048,7 @@
             <a:fld id="{530820CF-B880-4189-942D-D702A7CBA730}" type="datetimeFigureOut">
               <a:rPr lang="zh-CN" altLang="en-US" smtClean="0"/>
               <a:pPr/>
-              <a:t>2018/10/23</a:t>
+              <a:t>2018/10/25</a:t>
             </a:fld>
             <a:endParaRPr lang="zh-CN" altLang="en-US"/>
           </a:p>
@@ -1333,7 +1333,7 @@
             <a:fld id="{530820CF-B880-4189-942D-D702A7CBA730}" type="datetimeFigureOut">
               <a:rPr lang="zh-CN" altLang="en-US" smtClean="0"/>
               <a:pPr/>
-              <a:t>2018/10/23</a:t>
+              <a:t>2018/10/25</a:t>
             </a:fld>
             <a:endParaRPr lang="zh-CN" altLang="en-US"/>
           </a:p>
@@ -1752,7 +1752,7 @@
             <a:fld id="{530820CF-B880-4189-942D-D702A7CBA730}" type="datetimeFigureOut">
               <a:rPr lang="zh-CN" altLang="en-US" smtClean="0"/>
               <a:pPr/>
-              <a:t>2018/10/23</a:t>
+              <a:t>2018/10/25</a:t>
             </a:fld>
             <a:endParaRPr lang="zh-CN" altLang="en-US"/>
           </a:p>
@@ -1867,7 +1867,7 @@
             <a:fld id="{530820CF-B880-4189-942D-D702A7CBA730}" type="datetimeFigureOut">
               <a:rPr lang="zh-CN" altLang="en-US" smtClean="0"/>
               <a:pPr/>
-              <a:t>2018/10/23</a:t>
+              <a:t>2018/10/25</a:t>
             </a:fld>
             <a:endParaRPr lang="zh-CN" altLang="en-US"/>
           </a:p>
@@ -1959,7 +1959,7 @@
             <a:fld id="{530820CF-B880-4189-942D-D702A7CBA730}" type="datetimeFigureOut">
               <a:rPr lang="zh-CN" altLang="en-US" smtClean="0"/>
               <a:pPr/>
-              <a:t>2018/10/23</a:t>
+              <a:t>2018/10/25</a:t>
             </a:fld>
             <a:endParaRPr lang="zh-CN" altLang="en-US"/>
           </a:p>
@@ -2233,7 +2233,7 @@
             <a:fld id="{530820CF-B880-4189-942D-D702A7CBA730}" type="datetimeFigureOut">
               <a:rPr lang="zh-CN" altLang="en-US" smtClean="0"/>
               <a:pPr/>
-              <a:t>2018/10/23</a:t>
+              <a:t>2018/10/25</a:t>
             </a:fld>
             <a:endParaRPr lang="zh-CN" altLang="en-US"/>
           </a:p>
@@ -2483,7 +2483,7 @@
             <a:fld id="{530820CF-B880-4189-942D-D702A7CBA730}" type="datetimeFigureOut">
               <a:rPr lang="zh-CN" altLang="en-US" smtClean="0"/>
               <a:pPr/>
-              <a:t>2018/10/23</a:t>
+              <a:t>2018/10/25</a:t>
             </a:fld>
             <a:endParaRPr lang="zh-CN" altLang="en-US"/>
           </a:p>
@@ -2693,7 +2693,7 @@
             <a:fld id="{530820CF-B880-4189-942D-D702A7CBA730}" type="datetimeFigureOut">
               <a:rPr lang="zh-CN" altLang="en-US" smtClean="0"/>
               <a:pPr/>
-              <a:t>2018/10/23</a:t>
+              <a:t>2018/10/25</a:t>
             </a:fld>
             <a:endParaRPr lang="zh-CN" altLang="en-US"/>
           </a:p>
@@ -3161,11 +3161,7 @@
           <a:p>
             <a:r>
               <a:rPr lang="en-US" dirty="0" smtClean="0"/>
-              <a:t>adb shell input keyevent  </a:t>
-            </a:r>
-            <a:r>
-              <a:rPr lang="en-US" dirty="0" smtClean="0"/>
-              <a:t> 164</a:t>
+              <a:t>adb shell input keyevent   164</a:t>
             </a:r>
             <a:endParaRPr lang="zh-CN" altLang="en-US" dirty="0"/>
           </a:p>
@@ -4334,6 +4330,94 @@
           </a:p>
         </p:txBody>
       </p:sp>
+      <p:sp>
+        <p:nvSpPr>
+          <p:cNvPr id="6" name="矩形 5"/>
+          <p:cNvSpPr/>
+          <p:nvPr/>
+        </p:nvSpPr>
+        <p:spPr>
+          <a:xfrm>
+            <a:off x="571472" y="3643314"/>
+            <a:ext cx="4572000" cy="646331"/>
+          </a:xfrm>
+          <a:prstGeom prst="rect">
+            <a:avLst/>
+          </a:prstGeom>
+        </p:spPr>
+        <p:txBody>
+          <a:bodyPr>
+            <a:spAutoFit/>
+          </a:bodyPr>
+          <a:lstStyle/>
+          <a:p>
+            <a:r>
+              <a:rPr lang="en-US" altLang="zh-CN" dirty="0" smtClean="0"/>
+              <a:t>http://blog.udinic.com/2015/09/15/speed-up-your-app</a:t>
+            </a:r>
+            <a:endParaRPr lang="zh-CN" altLang="en-US" dirty="0"/>
+          </a:p>
+        </p:txBody>
+      </p:sp>
+      <p:sp>
+        <p:nvSpPr>
+          <p:cNvPr id="7" name="TextBox 6"/>
+          <p:cNvSpPr txBox="1"/>
+          <p:nvPr/>
+        </p:nvSpPr>
+        <p:spPr>
+          <a:xfrm>
+            <a:off x="357158" y="3143248"/>
+            <a:ext cx="3929090" cy="369332"/>
+          </a:xfrm>
+          <a:prstGeom prst="rect">
+            <a:avLst/>
+          </a:prstGeom>
+          <a:noFill/>
+        </p:spPr>
+        <p:txBody>
+          <a:bodyPr wrap="square" rtlCol="0">
+            <a:spAutoFit/>
+          </a:bodyPr>
+          <a:lstStyle/>
+          <a:p>
+            <a:r>
+              <a:rPr lang="en-US" altLang="zh-CN" dirty="0" smtClean="0"/>
+              <a:t>Gongju </a:t>
+            </a:r>
+            <a:endParaRPr lang="zh-CN" altLang="en-US" dirty="0"/>
+          </a:p>
+        </p:txBody>
+      </p:sp>
+      <p:sp>
+        <p:nvSpPr>
+          <p:cNvPr id="8" name="矩形 7"/>
+          <p:cNvSpPr/>
+          <p:nvPr/>
+        </p:nvSpPr>
+        <p:spPr>
+          <a:xfrm>
+            <a:off x="714348" y="4643446"/>
+            <a:ext cx="4572000" cy="923330"/>
+          </a:xfrm>
+          <a:prstGeom prst="rect">
+            <a:avLst/>
+          </a:prstGeom>
+        </p:spPr>
+        <p:txBody>
+          <a:bodyPr>
+            <a:spAutoFit/>
+          </a:bodyPr>
+          <a:lstStyle/>
+          <a:p>
+            <a:r>
+              <a:rPr lang="en-US" altLang="zh-CN" dirty="0" smtClean="0"/>
+              <a:t>https://www.youtube.com/watch?list=PLWz5rJ2EKKc9CBxr3BVjPTPoDPLdPIFCE&amp;v=we6poP0kw6E</a:t>
+            </a:r>
+            <a:endParaRPr lang="zh-CN" altLang="en-US" dirty="0"/>
+          </a:p>
+        </p:txBody>
+      </p:sp>
     </p:spTree>
   </p:cSld>
   <p:clrMapOvr>
